--- a/Into To Android layout.pptx
+++ b/Into To Android layout.pptx
@@ -300,7 +300,7 @@
           <a:p>
             <a:fld id="{48A87A34-81AB-432B-8DAE-1953F412C126}" type="datetimeFigureOut">
               <a:rPr lang="en-US" dirty="0"/>
-              <a:t>8/15/2013</a:t>
+              <a:t>9/12/2013</a:t>
             </a:fld>
             <a:endParaRPr lang="en-US" dirty="0"/>
           </a:p>
@@ -610,7 +610,7 @@
           <a:p>
             <a:fld id="{48A87A34-81AB-432B-8DAE-1953F412C126}" type="datetimeFigureOut">
               <a:rPr lang="en-US" dirty="0"/>
-              <a:t>8/15/2013</a:t>
+              <a:t>9/12/2013</a:t>
             </a:fld>
             <a:endParaRPr lang="en-US" dirty="0"/>
           </a:p>
@@ -827,7 +827,7 @@
           <a:p>
             <a:fld id="{48A87A34-81AB-432B-8DAE-1953F412C126}" type="datetimeFigureOut">
               <a:rPr lang="en-US" dirty="0"/>
-              <a:t>8/15/2013</a:t>
+              <a:t>9/12/2013</a:t>
             </a:fld>
             <a:endParaRPr lang="en-US" dirty="0"/>
           </a:p>
@@ -1113,7 +1113,7 @@
           <a:p>
             <a:fld id="{48A87A34-81AB-432B-8DAE-1953F412C126}" type="datetimeFigureOut">
               <a:rPr lang="en-US" dirty="0"/>
-              <a:t>8/15/2013</a:t>
+              <a:t>9/12/2013</a:t>
             </a:fld>
             <a:endParaRPr lang="en-US" dirty="0"/>
           </a:p>
@@ -1562,7 +1562,7 @@
           <a:p>
             <a:fld id="{48A87A34-81AB-432B-8DAE-1953F412C126}" type="datetimeFigureOut">
               <a:rPr lang="en-US" dirty="0"/>
-              <a:t>8/15/2013</a:t>
+              <a:t>9/12/2013</a:t>
             </a:fld>
             <a:endParaRPr lang="en-US" dirty="0"/>
           </a:p>
@@ -2133,7 +2133,7 @@
           <a:p>
             <a:fld id="{48A87A34-81AB-432B-8DAE-1953F412C126}" type="datetimeFigureOut">
               <a:rPr lang="en-US" dirty="0"/>
-              <a:t>8/15/2013</a:t>
+              <a:t>9/12/2013</a:t>
             </a:fld>
             <a:endParaRPr lang="en-US" dirty="0"/>
           </a:p>
@@ -2989,7 +2989,7 @@
           <a:p>
             <a:fld id="{48A87A34-81AB-432B-8DAE-1953F412C126}" type="datetimeFigureOut">
               <a:rPr lang="en-US" dirty="0"/>
-              <a:t>8/15/2013</a:t>
+              <a:t>9/12/2013</a:t>
             </a:fld>
             <a:endParaRPr lang="en-US" dirty="0"/>
           </a:p>
@@ -3189,7 +3189,7 @@
           <a:p>
             <a:fld id="{48A87A34-81AB-432B-8DAE-1953F412C126}" type="datetimeFigureOut">
               <a:rPr lang="en-US" dirty="0"/>
-              <a:t>8/15/2013</a:t>
+              <a:t>9/12/2013</a:t>
             </a:fld>
             <a:endParaRPr lang="en-US" dirty="0"/>
           </a:p>
@@ -3398,7 +3398,7 @@
           <a:p>
             <a:fld id="{48A87A34-81AB-432B-8DAE-1953F412C126}" type="datetimeFigureOut">
               <a:rPr lang="en-US" dirty="0"/>
-              <a:t>8/15/2013</a:t>
+              <a:t>9/12/2013</a:t>
             </a:fld>
             <a:endParaRPr lang="en-US" dirty="0"/>
           </a:p>
@@ -3598,7 +3598,7 @@
           <a:p>
             <a:fld id="{48A87A34-81AB-432B-8DAE-1953F412C126}" type="datetimeFigureOut">
               <a:rPr lang="en-US" dirty="0"/>
-              <a:t>8/15/2013</a:t>
+              <a:t>9/12/2013</a:t>
             </a:fld>
             <a:endParaRPr lang="en-US" dirty="0"/>
           </a:p>
@@ -3873,7 +3873,7 @@
           <a:p>
             <a:fld id="{48A87A34-81AB-432B-8DAE-1953F412C126}" type="datetimeFigureOut">
               <a:rPr lang="en-US" dirty="0"/>
-              <a:t>8/15/2013</a:t>
+              <a:t>9/12/2013</a:t>
             </a:fld>
             <a:endParaRPr lang="en-US" dirty="0"/>
           </a:p>
@@ -4135,7 +4135,7 @@
           <a:p>
             <a:fld id="{48A87A34-81AB-432B-8DAE-1953F412C126}" type="datetimeFigureOut">
               <a:rPr lang="en-US" dirty="0"/>
-              <a:t>8/15/2013</a:t>
+              <a:t>9/12/2013</a:t>
             </a:fld>
             <a:endParaRPr lang="en-US" dirty="0"/>
           </a:p>
@@ -4545,7 +4545,7 @@
           <a:p>
             <a:fld id="{48A87A34-81AB-432B-8DAE-1953F412C126}" type="datetimeFigureOut">
               <a:rPr lang="en-US" dirty="0"/>
-              <a:t>8/15/2013</a:t>
+              <a:t>9/12/2013</a:t>
             </a:fld>
             <a:endParaRPr lang="en-US" dirty="0"/>
           </a:p>
@@ -4688,7 +4688,7 @@
           <a:p>
             <a:fld id="{48A87A34-81AB-432B-8DAE-1953F412C126}" type="datetimeFigureOut">
               <a:rPr lang="en-US" dirty="0"/>
-              <a:t>8/15/2013</a:t>
+              <a:t>9/12/2013</a:t>
             </a:fld>
             <a:endParaRPr lang="en-US" dirty="0"/>
           </a:p>
@@ -4808,7 +4808,7 @@
           <a:p>
             <a:fld id="{48A87A34-81AB-432B-8DAE-1953F412C126}" type="datetimeFigureOut">
               <a:rPr lang="en-US" dirty="0"/>
-              <a:t>8/15/2013</a:t>
+              <a:t>9/12/2013</a:t>
             </a:fld>
             <a:endParaRPr lang="en-US" dirty="0"/>
           </a:p>
@@ -5082,7 +5082,7 @@
           <a:p>
             <a:fld id="{48A87A34-81AB-432B-8DAE-1953F412C126}" type="datetimeFigureOut">
               <a:rPr lang="en-US" dirty="0"/>
-              <a:t>8/15/2013</a:t>
+              <a:t>9/12/2013</a:t>
             </a:fld>
             <a:endParaRPr lang="en-US" dirty="0"/>
           </a:p>
@@ -5392,7 +5392,7 @@
           <a:p>
             <a:fld id="{48A87A34-81AB-432B-8DAE-1953F412C126}" type="datetimeFigureOut">
               <a:rPr lang="en-US" dirty="0"/>
-              <a:t>8/15/2013</a:t>
+              <a:t>9/12/2013</a:t>
             </a:fld>
             <a:endParaRPr lang="en-US" dirty="0"/>
           </a:p>
@@ -5641,7 +5641,7 @@
             <a:fld id="{48A87A34-81AB-432B-8DAE-1953F412C126}" type="datetimeFigureOut">
               <a:rPr lang="en-US" dirty="0"/>
               <a:pPr/>
-              <a:t>8/15/2013</a:t>
+              <a:t>9/12/2013</a:t>
             </a:fld>
             <a:endParaRPr lang="en-US" dirty="0"/>
           </a:p>
@@ -6269,9 +6269,18 @@
           <a:p>
             <a:r>
               <a:rPr lang="en-US" dirty="0" smtClean="0"/>
-              <a:t>Not editable</a:t>
-            </a:r>
-            <a:endParaRPr lang="en-US" dirty="0"/>
+              <a:t>Not </a:t>
+            </a:r>
+            <a:r>
+              <a:rPr lang="en-US" dirty="0" smtClean="0"/>
+              <a:t>editable</a:t>
+            </a:r>
+          </a:p>
+          <a:p>
+            <a:r>
+              <a:rPr lang="en-US" dirty="0" smtClean="0"/>
+              <a:t>Can have different styles and fonts</a:t>
+            </a:r>
           </a:p>
         </p:txBody>
       </p:sp>
@@ -6596,7 +6605,11 @@
           <a:bodyPr/>
           <a:lstStyle/>
           <a:p>
-            <a:endParaRPr lang="en-US"/>
+            <a:r>
+              <a:rPr lang="en-US" dirty="0" smtClean="0"/>
+              <a:t>Select multiple items</a:t>
+            </a:r>
+            <a:endParaRPr lang="en-US" dirty="0"/>
           </a:p>
         </p:txBody>
       </p:sp>
@@ -6945,7 +6958,11 @@
           <a:bodyPr/>
           <a:lstStyle/>
           <a:p>
-            <a:endParaRPr lang="en-US"/>
+            <a:r>
+              <a:rPr lang="en-US" dirty="0" smtClean="0"/>
+              <a:t>Input data</a:t>
+            </a:r>
+            <a:endParaRPr lang="en-US" dirty="0"/>
           </a:p>
         </p:txBody>
       </p:sp>
@@ -7174,10 +7191,6 @@
               </a:rPr>
               <a:t>        /&gt;</a:t>
             </a:r>
-            <a:endParaRPr lang="en-US" dirty="0">
-              <a:latin typeface="Courier New" panose="02070309020205020404" pitchFamily="49" charset="0"/>
-              <a:cs typeface="Courier New" panose="02070309020205020404" pitchFamily="49" charset="0"/>
-            </a:endParaRPr>
           </a:p>
         </p:txBody>
       </p:sp>
@@ -7536,10 +7549,6 @@
               </a:rPr>
               <a:t>        /&gt;</a:t>
             </a:r>
-            <a:endParaRPr lang="en-US" dirty="0">
-              <a:latin typeface="Courier New" panose="02070309020205020404" pitchFamily="49" charset="0"/>
-              <a:cs typeface="Courier New" panose="02070309020205020404" pitchFamily="49" charset="0"/>
-            </a:endParaRPr>
           </a:p>
         </p:txBody>
       </p:sp>
@@ -7606,34 +7615,106 @@
             <p:ph sz="quarter" idx="13"/>
           </p:nvPr>
         </p:nvSpPr>
+        <p:spPr>
+          <a:xfrm>
+            <a:off x="5078062" y="3657600"/>
+            <a:ext cx="6200163" cy="2133599"/>
+          </a:xfrm>
+        </p:spPr>
+        <p:txBody>
+          <a:bodyPr/>
+          <a:lstStyle/>
+          <a:p>
+            <a:r>
+              <a:rPr lang="en-US" dirty="0" smtClean="0"/>
+              <a:t>Popup window to Notify user</a:t>
+            </a:r>
+          </a:p>
+          <a:p>
+            <a:r>
+              <a:rPr lang="en-US" dirty="0" smtClean="0"/>
+              <a:t>Can Optionally show buttons (yes/No)</a:t>
+            </a:r>
+          </a:p>
+          <a:p>
+            <a:r>
+              <a:rPr lang="en-US" dirty="0" smtClean="0"/>
+              <a:t>Demands User attention</a:t>
+            </a:r>
+            <a:endParaRPr lang="en-US" dirty="0"/>
+          </a:p>
+        </p:txBody>
+      </p:sp>
+      <p:sp>
+        <p:nvSpPr>
+          <p:cNvPr id="4" name="Text Placeholder 3"/>
+          <p:cNvSpPr>
+            <a:spLocks noGrp="1"/>
+          </p:cNvSpPr>
+          <p:nvPr>
+            <p:ph type="body" sz="half" idx="2"/>
+          </p:nvPr>
+        </p:nvSpPr>
         <p:spPr/>
         <p:txBody>
           <a:bodyPr/>
           <a:lstStyle/>
           <a:p>
-            <a:endParaRPr lang="en-US"/>
-          </a:p>
-        </p:txBody>
-      </p:sp>
-      <p:sp>
-        <p:nvSpPr>
-          <p:cNvPr id="4" name="Text Placeholder 3"/>
-          <p:cNvSpPr>
-            <a:spLocks noGrp="1"/>
-          </p:cNvSpPr>
-          <p:nvPr>
-            <p:ph type="body" sz="half" idx="2"/>
-          </p:nvPr>
-        </p:nvSpPr>
-        <p:spPr/>
-        <p:txBody>
-          <a:bodyPr/>
-          <a:lstStyle/>
-          <a:p>
-            <a:endParaRPr lang="en-US"/>
-          </a:p>
-        </p:txBody>
-      </p:sp>
+            <a:r>
+              <a:rPr lang="en-US" dirty="0" smtClean="0"/>
+              <a:t>Demands user attention</a:t>
+            </a:r>
+          </a:p>
+          <a:p>
+            <a:r>
+              <a:rPr lang="en-US" dirty="0" smtClean="0"/>
+              <a:t>Usually dismissed by selecting on of many options</a:t>
+            </a:r>
+            <a:endParaRPr lang="en-US" dirty="0"/>
+          </a:p>
+        </p:txBody>
+      </p:sp>
+      <p:pic>
+        <p:nvPicPr>
+          <p:cNvPr id="1028" name="Picture 4" descr="http://3.bp.blogspot.com/-5hVUkqtoMgI/TX81nTdgSVI/AAAAAAAAAFE/J8yU48fCB00/s320/alertdialog_example.JPG"/>
+          <p:cNvPicPr>
+            <a:picLocks noChangeAspect="1" noChangeArrowheads="1"/>
+          </p:cNvPicPr>
+          <p:nvPr/>
+        </p:nvPicPr>
+        <p:blipFill>
+          <a:blip r:embed="rId2">
+            <a:extLst>
+              <a:ext uri="{28A0092B-C50C-407E-A947-70E740481C1C}">
+                <a14:useLocalDpi xmlns:a14="http://schemas.microsoft.com/office/drawing/2010/main" val="0"/>
+              </a:ext>
+            </a:extLst>
+          </a:blip>
+          <a:srcRect/>
+          <a:stretch>
+            <a:fillRect/>
+          </a:stretch>
+        </p:blipFill>
+        <p:spPr bwMode="auto">
+          <a:xfrm>
+            <a:off x="8369133" y="152398"/>
+            <a:ext cx="2743200" cy="3048001"/>
+          </a:xfrm>
+          <a:prstGeom prst="rect">
+            <a:avLst/>
+          </a:prstGeom>
+          <a:noFill/>
+          <a:extLst>
+            <a:ext uri="{909E8E84-426E-40DD-AFC4-6F175D3DCCD1}">
+              <a14:hiddenFill xmlns:a14="http://schemas.microsoft.com/office/drawing/2010/main">
+                <a:solidFill>
+                  <a:srgbClr val="FFFFFF"/>
+                </a:solidFill>
+              </a14:hiddenFill>
+            </a:ext>
+          </a:extLst>
+        </p:spPr>
+      </p:pic>
     </p:spTree>
     <p:extLst>
       <p:ext uri="{BB962C8B-B14F-4D97-AF65-F5344CB8AC3E}">
@@ -9418,7 +9499,17 @@
           <a:bodyPr/>
           <a:lstStyle/>
           <a:p>
-            <a:endParaRPr lang="en-US"/>
+            <a:r>
+              <a:rPr lang="en-US" dirty="0" smtClean="0"/>
+              <a:t>Clickable action</a:t>
+            </a:r>
+          </a:p>
+          <a:p>
+            <a:r>
+              <a:rPr lang="en-US" dirty="0" smtClean="0"/>
+              <a:t>Can have Icon and/or text</a:t>
+            </a:r>
+            <a:endParaRPr lang="en-US" dirty="0"/>
           </a:p>
         </p:txBody>
       </p:sp>
